--- a/Preluminary Design Report.pptx
+++ b/Preluminary Design Report.pptx
@@ -127,7 +127,7 @@
   </p:defaultTextStyle>
   <p:extLst>
     <p:ext uri="{EFAFB233-063F-42B5-8137-9DF3F51BA10A}">
-      <p15:sldGuideLst xmlns:p15="http://schemas.microsoft.com/office/powerpoint/2012/main">
+      <p15:sldGuideLst xmlns="" xmlns:p15="http://schemas.microsoft.com/office/powerpoint/2012/main">
         <p15:guide id="1" pos="3839" userDrawn="1">
           <p15:clr>
             <a:srgbClr val="A4A3A4"/>
@@ -141,7 +141,7 @@
       </p15:sldGuideLst>
     </p:ext>
     <p:ext uri="{2D200454-40CA-4A62-9FC3-DE9A4176ACB9}">
-      <p15:notesGuideLst xmlns:p15="http://schemas.microsoft.com/office/powerpoint/2012/main"/>
+      <p15:notesGuideLst xmlns="" xmlns:p15="http://schemas.microsoft.com/office/powerpoint/2012/main"/>
     </p:ext>
   </p:extLst>
 </p:presentation>
@@ -2108,6 +2108,13 @@
         </dgm:presLayoutVars>
       </dgm:prSet>
       <dgm:spPr/>
+      <dgm:t>
+        <a:bodyPr/>
+        <a:lstStyle/>
+        <a:p>
+          <a:endParaRPr lang="en-US"/>
+        </a:p>
+      </dgm:t>
     </dgm:pt>
     <dgm:pt modelId="{84540D45-5EC7-415B-BB85-36803AF45E78}" type="pres">
       <dgm:prSet presAssocID="{4ECD84A6-995B-464D-A24E-3A7189AC6B0C}" presName="compNode" presStyleCnt="0"/>
@@ -2150,6 +2157,13 @@
         </dgm:presLayoutVars>
       </dgm:prSet>
       <dgm:spPr/>
+      <dgm:t>
+        <a:bodyPr/>
+        <a:lstStyle/>
+        <a:p>
+          <a:endParaRPr lang="en-US"/>
+        </a:p>
+      </dgm:t>
     </dgm:pt>
     <dgm:pt modelId="{5EB10A11-91E5-429F-813F-13BFFB9866B3}" type="pres">
       <dgm:prSet presAssocID="{353296C7-D369-47BA-BA51-917F98F54AD9}" presName="aSpace2" presStyleCnt="0"/>
@@ -2162,6 +2176,13 @@
         </dgm:presLayoutVars>
       </dgm:prSet>
       <dgm:spPr/>
+      <dgm:t>
+        <a:bodyPr/>
+        <a:lstStyle/>
+        <a:p>
+          <a:endParaRPr lang="en-US"/>
+        </a:p>
+      </dgm:t>
     </dgm:pt>
     <dgm:pt modelId="{BF51CC8D-5E1D-46BD-8982-5B6C969ACAFD}" type="pres">
       <dgm:prSet presAssocID="{DEFF1AAC-87E6-4422-8937-A5A1B3F0DAAF}" presName="aSpace2" presStyleCnt="0"/>
@@ -2174,6 +2195,13 @@
         </dgm:presLayoutVars>
       </dgm:prSet>
       <dgm:spPr/>
+      <dgm:t>
+        <a:bodyPr/>
+        <a:lstStyle/>
+        <a:p>
+          <a:endParaRPr lang="en-US"/>
+        </a:p>
+      </dgm:t>
     </dgm:pt>
     <dgm:pt modelId="{0F1E063C-4D1A-4BD4-AE56-2C288B88188C}" type="pres">
       <dgm:prSet presAssocID="{4ECD84A6-995B-464D-A24E-3A7189AC6B0C}" presName="aSpace" presStyleCnt="0"/>
@@ -2220,6 +2248,13 @@
         </dgm:presLayoutVars>
       </dgm:prSet>
       <dgm:spPr/>
+      <dgm:t>
+        <a:bodyPr/>
+        <a:lstStyle/>
+        <a:p>
+          <a:endParaRPr lang="en-US"/>
+        </a:p>
+      </dgm:t>
     </dgm:pt>
     <dgm:pt modelId="{EDA8C032-C76F-4C22-9AAD-F04EF1566E35}" type="pres">
       <dgm:prSet presAssocID="{9BEC4DF7-17DC-4A69-ACCF-4E651451C1E4}" presName="aSpace2" presStyleCnt="0"/>
@@ -2270,10 +2305,24 @@
     <dgm:pt modelId="{4B87138F-789D-41D9-A73C-57C9ECBC215E}" type="pres">
       <dgm:prSet presAssocID="{E8E985FF-A4EE-45E8-B103-6BEAC7F90BDF}" presName="aNode" presStyleLbl="bgShp" presStyleIdx="2" presStyleCnt="3"/>
       <dgm:spPr/>
+      <dgm:t>
+        <a:bodyPr/>
+        <a:lstStyle/>
+        <a:p>
+          <a:endParaRPr lang="en-US"/>
+        </a:p>
+      </dgm:t>
     </dgm:pt>
     <dgm:pt modelId="{2146EF99-C465-4C43-9D02-DCCAA2936278}" type="pres">
       <dgm:prSet presAssocID="{E8E985FF-A4EE-45E8-B103-6BEAC7F90BDF}" presName="textNode" presStyleLbl="bgShp" presStyleIdx="2" presStyleCnt="3"/>
       <dgm:spPr/>
+      <dgm:t>
+        <a:bodyPr/>
+        <a:lstStyle/>
+        <a:p>
+          <a:endParaRPr lang="en-US"/>
+        </a:p>
+      </dgm:t>
     </dgm:pt>
     <dgm:pt modelId="{686BFCDA-50D0-4D0C-B347-B78E5A4468BE}" type="pres">
       <dgm:prSet presAssocID="{E8E985FF-A4EE-45E8-B103-6BEAC7F90BDF}" presName="compChildNode" presStyleCnt="0"/>
@@ -2290,6 +2339,13 @@
         </dgm:presLayoutVars>
       </dgm:prSet>
       <dgm:spPr/>
+      <dgm:t>
+        <a:bodyPr/>
+        <a:lstStyle/>
+        <a:p>
+          <a:endParaRPr lang="en-US"/>
+        </a:p>
+      </dgm:t>
     </dgm:pt>
     <dgm:pt modelId="{A5013435-947B-4694-A52B-84506818AE0C}" type="pres">
       <dgm:prSet presAssocID="{886FEF10-191C-4B46-A09B-73AF93B2BF51}" presName="aSpace2" presStyleCnt="0"/>
@@ -2302,6 +2358,13 @@
         </dgm:presLayoutVars>
       </dgm:prSet>
       <dgm:spPr/>
+      <dgm:t>
+        <a:bodyPr/>
+        <a:lstStyle/>
+        <a:p>
+          <a:endParaRPr lang="en-US"/>
+        </a:p>
+      </dgm:t>
     </dgm:pt>
     <dgm:pt modelId="{2570AD27-8B44-4AEF-8D91-74DC71C38067}" type="pres">
       <dgm:prSet presAssocID="{6DA53530-C9AE-484B-BF8A-449A4694A445}" presName="aSpace2" presStyleCnt="0"/>
@@ -2324,17 +2387,17 @@
     </dgm:pt>
   </dgm:ptLst>
   <dgm:cxnLst>
+    <dgm:cxn modelId="{34F776BB-B84F-4F79-A174-6447A3D20FAD}" type="presOf" srcId="{353ED2A7-26D6-4EF8-AEA5-539DA641E0E4}" destId="{FE7D951D-80B3-4835-B230-690C999379DC}" srcOrd="0" destOrd="0" presId="urn:microsoft.com/office/officeart/2005/8/layout/lProcess2"/>
     <dgm:cxn modelId="{6F14686B-6523-4F16-B871-9B87536AB64F}" srcId="{E8E985FF-A4EE-45E8-B103-6BEAC7F90BDF}" destId="{6DA53530-C9AE-484B-BF8A-449A4694A445}" srcOrd="1" destOrd="0" parTransId="{3FD6D60D-5C51-4AE1-8640-D123F1288E57}" sibTransId="{365CC876-4D7B-4366-BBB0-C6036EFA27B3}"/>
-    <dgm:cxn modelId="{34F776BB-B84F-4F79-A174-6447A3D20FAD}" type="presOf" srcId="{353ED2A7-26D6-4EF8-AEA5-539DA641E0E4}" destId="{FE7D951D-80B3-4835-B230-690C999379DC}" srcOrd="0" destOrd="0" presId="urn:microsoft.com/office/officeart/2005/8/layout/lProcess2"/>
     <dgm:cxn modelId="{66B2654E-CD41-4CB8-A1A5-6BEB102E0063}" type="presOf" srcId="{6DA53530-C9AE-484B-BF8A-449A4694A445}" destId="{671E939F-86D1-46C2-889D-29C612F0C865}" srcOrd="0" destOrd="0" presId="urn:microsoft.com/office/officeart/2005/8/layout/lProcess2"/>
+    <dgm:cxn modelId="{E2EEC817-B55B-4608-B6AC-A88D43D779DC}" type="presOf" srcId="{886FEF10-191C-4B46-A09B-73AF93B2BF51}" destId="{5D3B31B8-01A7-40E2-8C9E-D443F8B150EC}" srcOrd="0" destOrd="0" presId="urn:microsoft.com/office/officeart/2005/8/layout/lProcess2"/>
     <dgm:cxn modelId="{1C7CC416-9B5F-4D69-AE14-63830CB786D8}" type="presOf" srcId="{8917D97A-89D7-4405-97E8-28EE6C80C68D}" destId="{52AE9739-76AA-455F-A346-8981377D13BA}" srcOrd="0" destOrd="0" presId="urn:microsoft.com/office/officeart/2005/8/layout/lProcess2"/>
-    <dgm:cxn modelId="{E2EEC817-B55B-4608-B6AC-A88D43D779DC}" type="presOf" srcId="{886FEF10-191C-4B46-A09B-73AF93B2BF51}" destId="{5D3B31B8-01A7-40E2-8C9E-D443F8B150EC}" srcOrd="0" destOrd="0" presId="urn:microsoft.com/office/officeart/2005/8/layout/lProcess2"/>
     <dgm:cxn modelId="{0DF96C75-B1E9-48D7-BE53-3ED6827C39C7}" srcId="{D22EA680-C614-4851-B033-996958F53032}" destId="{4ECD84A6-995B-464D-A24E-3A7189AC6B0C}" srcOrd="0" destOrd="0" parTransId="{54A2DC6E-9393-49DE-889A-5986EAECCF79}" sibTransId="{E835EC64-0898-480F-B273-F6B0676016D2}"/>
     <dgm:cxn modelId="{44D81AC6-1F52-40F2-9386-D61886708EEC}" srcId="{05DB6C3E-E2D1-4BC7-A047-2BFABD98898F}" destId="{8917D97A-89D7-4405-97E8-28EE6C80C68D}" srcOrd="1" destOrd="0" parTransId="{61127C0D-102A-4B36-91F6-1B7F91B885CE}" sibTransId="{FE748FCA-51D3-4686-9E91-3B471AC52477}"/>
     <dgm:cxn modelId="{342A4C43-A68B-4A95-975A-3088DA9A1C7C}" type="presOf" srcId="{E8E985FF-A4EE-45E8-B103-6BEAC7F90BDF}" destId="{2146EF99-C465-4C43-9D02-DCCAA2936278}" srcOrd="1" destOrd="0" presId="urn:microsoft.com/office/officeart/2005/8/layout/lProcess2"/>
     <dgm:cxn modelId="{639EEBAF-B629-4B14-BA7B-1B82B8728804}" type="presOf" srcId="{4ECD84A6-995B-464D-A24E-3A7189AC6B0C}" destId="{50D21CF7-A16F-4800-8D3E-D421471A53E1}" srcOrd="1" destOrd="0" presId="urn:microsoft.com/office/officeart/2005/8/layout/lProcess2"/>
+    <dgm:cxn modelId="{BD2826EC-B7DC-4442-9FA4-15909A1D8E24}" type="presOf" srcId="{F367B245-694D-4D7F-A9FD-02367EC88FD1}" destId="{2C372E9E-3E6A-492B-B1C4-9194226C1424}" srcOrd="0" destOrd="0" presId="urn:microsoft.com/office/officeart/2005/8/layout/lProcess2"/>
     <dgm:cxn modelId="{DCA6A9A6-E789-4BB4-8CDC-38CE9941C8A9}" type="presOf" srcId="{05DB6C3E-E2D1-4BC7-A047-2BFABD98898F}" destId="{265B6745-9F3C-415B-B047-BF7F85092AA9}" srcOrd="1" destOrd="0" presId="urn:microsoft.com/office/officeart/2005/8/layout/lProcess2"/>
-    <dgm:cxn modelId="{BD2826EC-B7DC-4442-9FA4-15909A1D8E24}" type="presOf" srcId="{F367B245-694D-4D7F-A9FD-02367EC88FD1}" destId="{2C372E9E-3E6A-492B-B1C4-9194226C1424}" srcOrd="0" destOrd="0" presId="urn:microsoft.com/office/officeart/2005/8/layout/lProcess2"/>
     <dgm:cxn modelId="{FD657033-2DBD-4B36-8383-E861A5904538}" type="presOf" srcId="{E8E985FF-A4EE-45E8-B103-6BEAC7F90BDF}" destId="{4B87138F-789D-41D9-A73C-57C9ECBC215E}" srcOrd="0" destOrd="0" presId="urn:microsoft.com/office/officeart/2005/8/layout/lProcess2"/>
     <dgm:cxn modelId="{77707D3D-D4AC-4E48-B0D8-91D60F1C2431}" srcId="{4ECD84A6-995B-464D-A24E-3A7189AC6B0C}" destId="{353ED2A7-26D6-4EF8-AEA5-539DA641E0E4}" srcOrd="2" destOrd="0" parTransId="{D99E37B6-4BE7-4EF3-9E29-EAA60F11A4DF}" sibTransId="{AC76E85A-0C3E-4ED6-8F6D-9FDDF1F77532}"/>
     <dgm:cxn modelId="{F3466E67-D97B-4A5A-B7C8-BF14D72EF6C3}" srcId="{4ECD84A6-995B-464D-A24E-3A7189AC6B0C}" destId="{DEFF1AAC-87E6-4422-8937-A5A1B3F0DAAF}" srcOrd="1" destOrd="0" parTransId="{9FBE9190-37E0-4603-B683-49CC8AA79414}" sibTransId="{DD88F8C5-A41C-4F28-B63E-5C1CDF290547}"/>
@@ -2350,8 +2413,8 @@
     <dgm:cxn modelId="{3188D23F-4BE4-4EF9-86B0-1F05F16E79B7}" type="presOf" srcId="{05DB6C3E-E2D1-4BC7-A047-2BFABD98898F}" destId="{D299F251-D7BC-403A-B302-F64E014EFF57}" srcOrd="0" destOrd="0" presId="urn:microsoft.com/office/officeart/2005/8/layout/lProcess2"/>
     <dgm:cxn modelId="{BE128B35-32FB-40D6-AC98-AFE5B1501784}" type="presOf" srcId="{DEFF1AAC-87E6-4422-8937-A5A1B3F0DAAF}" destId="{EB76CCE5-A9E7-43B7-BB00-99655F7DF1BE}" srcOrd="0" destOrd="0" presId="urn:microsoft.com/office/officeart/2005/8/layout/lProcess2"/>
     <dgm:cxn modelId="{84AEAE19-B2DA-47E9-B540-2711869ABF1C}" srcId="{E8E985FF-A4EE-45E8-B103-6BEAC7F90BDF}" destId="{886FEF10-191C-4B46-A09B-73AF93B2BF51}" srcOrd="0" destOrd="0" parTransId="{64BBF025-046D-4C99-B0D4-C37F50EB642B}" sibTransId="{3D0EE78B-3D0F-4DCE-AABE-BFC341FCDA3B}"/>
+    <dgm:cxn modelId="{DA842CBB-05B8-4DB3-8DC1-DC904C022EBB}" type="presOf" srcId="{2C858511-D31D-4A20-AA3B-4383B546EB9F}" destId="{55A2D40E-F0C2-4AF9-A6D7-4EC657F09925}" srcOrd="0" destOrd="0" presId="urn:microsoft.com/office/officeart/2005/8/layout/lProcess2"/>
     <dgm:cxn modelId="{DF1C2861-5A11-42EE-91CF-8EDE4C91941E}" srcId="{05DB6C3E-E2D1-4BC7-A047-2BFABD98898F}" destId="{2C858511-D31D-4A20-AA3B-4383B546EB9F}" srcOrd="2" destOrd="0" parTransId="{64725598-89ED-4835-A858-45CBA6F07984}" sibTransId="{8A0A2C05-BFC2-4AA4-A3D9-26148EC07451}"/>
-    <dgm:cxn modelId="{DA842CBB-05B8-4DB3-8DC1-DC904C022EBB}" type="presOf" srcId="{2C858511-D31D-4A20-AA3B-4383B546EB9F}" destId="{55A2D40E-F0C2-4AF9-A6D7-4EC657F09925}" srcOrd="0" destOrd="0" presId="urn:microsoft.com/office/officeart/2005/8/layout/lProcess2"/>
     <dgm:cxn modelId="{6F49C554-5326-4EAE-A1F0-8CFB24404414}" type="presParOf" srcId="{C55916C8-C533-4C41-B8AC-E383DC4C6D71}" destId="{84540D45-5EC7-415B-BB85-36803AF45E78}" srcOrd="0" destOrd="0" presId="urn:microsoft.com/office/officeart/2005/8/layout/lProcess2"/>
     <dgm:cxn modelId="{3D69FFC7-3040-414F-B4BB-79A0FD1A3FAF}" type="presParOf" srcId="{84540D45-5EC7-415B-BB85-36803AF45E78}" destId="{69514762-019D-4D0D-A15B-54CB58031D44}" srcOrd="0" destOrd="0" presId="urn:microsoft.com/office/officeart/2005/8/layout/lProcess2"/>
     <dgm:cxn modelId="{8B8CC8E4-4048-4290-B091-35875E29EF59}" type="presParOf" srcId="{84540D45-5EC7-415B-BB85-36803AF45E78}" destId="{50D21CF7-A16F-4800-8D3E-D421471A53E1}" srcOrd="1" destOrd="0" presId="urn:microsoft.com/office/officeart/2005/8/layout/lProcess2"/>
@@ -2973,6 +3036,13 @@
         </dgm:presLayoutVars>
       </dgm:prSet>
       <dgm:spPr/>
+      <dgm:t>
+        <a:bodyPr/>
+        <a:lstStyle/>
+        <a:p>
+          <a:endParaRPr lang="en-US"/>
+        </a:p>
+      </dgm:t>
     </dgm:pt>
     <dgm:pt modelId="{B7808616-F3E0-406D-BC76-B856F09E8058}" type="pres">
       <dgm:prSet presAssocID="{76030E72-707F-486E-924E-96E74F7DA931}" presName="boxAndChildren" presStyleCnt="0"/>
@@ -2981,10 +3051,24 @@
     <dgm:pt modelId="{9FCF6559-4094-49C5-AB8D-279695A90712}" type="pres">
       <dgm:prSet presAssocID="{76030E72-707F-486E-924E-96E74F7DA931}" presName="parentTextBox" presStyleLbl="node1" presStyleIdx="0" presStyleCnt="3"/>
       <dgm:spPr/>
+      <dgm:t>
+        <a:bodyPr/>
+        <a:lstStyle/>
+        <a:p>
+          <a:endParaRPr lang="en-US"/>
+        </a:p>
+      </dgm:t>
     </dgm:pt>
     <dgm:pt modelId="{B98C0CE2-BB53-4432-A470-F109C6BB99A3}" type="pres">
       <dgm:prSet presAssocID="{76030E72-707F-486E-924E-96E74F7DA931}" presName="entireBox" presStyleLbl="node1" presStyleIdx="0" presStyleCnt="3"/>
       <dgm:spPr/>
+      <dgm:t>
+        <a:bodyPr/>
+        <a:lstStyle/>
+        <a:p>
+          <a:endParaRPr lang="en-US"/>
+        </a:p>
+      </dgm:t>
     </dgm:pt>
     <dgm:pt modelId="{602CC544-8878-4ACA-908D-CC665E04A17A}" type="pres">
       <dgm:prSet presAssocID="{76030E72-707F-486E-924E-96E74F7DA931}" presName="descendantBox" presStyleCnt="0"/>
@@ -3031,10 +3115,24 @@
     <dgm:pt modelId="{D7E7348D-BDB6-4D2B-81C0-23A153D85C38}" type="pres">
       <dgm:prSet presAssocID="{42B0BE8E-9BDE-4E3D-8E68-609EBE4302B6}" presName="parentTextArrow" presStyleLbl="node1" presStyleIdx="0" presStyleCnt="3"/>
       <dgm:spPr/>
+      <dgm:t>
+        <a:bodyPr/>
+        <a:lstStyle/>
+        <a:p>
+          <a:endParaRPr lang="en-US"/>
+        </a:p>
+      </dgm:t>
     </dgm:pt>
     <dgm:pt modelId="{D0CF9C70-EB02-4640-A5C9-2CB6E0D4B857}" type="pres">
       <dgm:prSet presAssocID="{42B0BE8E-9BDE-4E3D-8E68-609EBE4302B6}" presName="arrow" presStyleLbl="node1" presStyleIdx="1" presStyleCnt="3"/>
       <dgm:spPr/>
+      <dgm:t>
+        <a:bodyPr/>
+        <a:lstStyle/>
+        <a:p>
+          <a:endParaRPr lang="en-US"/>
+        </a:p>
+      </dgm:t>
     </dgm:pt>
     <dgm:pt modelId="{53DC106A-0B0F-4B8A-8F2E-5324AC13EA9F}" type="pres">
       <dgm:prSet presAssocID="{42B0BE8E-9BDE-4E3D-8E68-609EBE4302B6}" presName="descendantArrow" presStyleCnt="0"/>
@@ -3136,40 +3234,40 @@
     </dgm:pt>
   </dgm:ptLst>
   <dgm:cxnLst>
-    <dgm:cxn modelId="{E73A1A57-7218-4EF4-AA5C-EEF1545707D0}" srcId="{76030E72-707F-486E-924E-96E74F7DA931}" destId="{75D88056-7752-4C58-80F7-766B199416AB}" srcOrd="1" destOrd="0" parTransId="{564E700A-26DE-41FC-B08A-73CE629481FA}" sibTransId="{ADB02EAD-92FC-40AB-A6E6-67CE6C224DA5}"/>
-    <dgm:cxn modelId="{5CF3CC43-B5D1-41A1-876D-136B8D840C68}" type="presOf" srcId="{76030E72-707F-486E-924E-96E74F7DA931}" destId="{9FCF6559-4094-49C5-AB8D-279695A90712}" srcOrd="0" destOrd="0" presId="urn:microsoft.com/office/officeart/2005/8/layout/process4"/>
-    <dgm:cxn modelId="{5D406044-077F-427B-A361-09B4517DDCF4}" type="presOf" srcId="{DED84B33-0CF8-4C9F-9A48-7EB2CCAB2850}" destId="{614391D9-EAD5-45C8-B1EF-79B40AF92ADD}" srcOrd="0" destOrd="0" presId="urn:microsoft.com/office/officeart/2005/8/layout/process4"/>
-    <dgm:cxn modelId="{00D91EF8-DC37-43F4-8BE5-66F7EF20A4DD}" srcId="{A10BA2FE-F8E0-4882-9067-14E4C7499A3C}" destId="{F80B2100-6BE7-451E-8627-4F89E6FF626B}" srcOrd="0" destOrd="0" parTransId="{2DD184A5-DBB8-4758-9526-90FFAE542279}" sibTransId="{CAF8A5A3-4805-4D2D-B89C-42015F97F78C}"/>
-    <dgm:cxn modelId="{DD33AF84-B85C-4DFE-8E53-B3026F2059D8}" srcId="{42B0BE8E-9BDE-4E3D-8E68-609EBE4302B6}" destId="{A10BA2FE-F8E0-4882-9067-14E4C7499A3C}" srcOrd="0" destOrd="0" parTransId="{DCD86C43-F406-4CF2-8453-B197C254C0B3}" sibTransId="{CDF00B6E-18A4-49B0-ACF2-525109184B2A}"/>
+    <dgm:cxn modelId="{5BC12930-A3CD-4672-8AD1-EB9A1E534120}" srcId="{F77099D8-A68E-46EE-AB2B-5E4657202D61}" destId="{02E16B2F-2C32-4931-8801-E6F62FC224B4}" srcOrd="0" destOrd="0" parTransId="{06D97650-D822-4E93-9DDB-4D3A82FF3770}" sibTransId="{38EDBE91-C2B2-4E4B-87D7-A03BDE950416}"/>
+    <dgm:cxn modelId="{958BF1F5-1FB9-4240-9CCD-32AE53A24995}" type="presOf" srcId="{75D88056-7752-4C58-80F7-766B199416AB}" destId="{67B62EC4-3927-410F-A9E8-976FCCAFDA07}" srcOrd="0" destOrd="0" presId="urn:microsoft.com/office/officeart/2005/8/layout/process4"/>
     <dgm:cxn modelId="{F3A71227-2119-45FB-AF86-9FFAE9FE2D1D}" srcId="{DED84B33-0CF8-4C9F-9A48-7EB2CCAB2850}" destId="{3E1EF9F8-3116-4852-A248-D24C2FD904CC}" srcOrd="0" destOrd="0" parTransId="{44A54158-D39E-42FD-AB71-6FE9F92A9388}" sibTransId="{84DA6E54-E4AA-4404-B187-7D9C8D143227}"/>
     <dgm:cxn modelId="{80E3CDC1-C12D-4B65-B3AA-F0011442C88E}" type="presOf" srcId="{DED84B33-0CF8-4C9F-9A48-7EB2CCAB2850}" destId="{7D9CF069-BD44-435F-91C0-CAA2C0E5A7EE}" srcOrd="1" destOrd="0" presId="urn:microsoft.com/office/officeart/2005/8/layout/process4"/>
+    <dgm:cxn modelId="{0CF0C653-5326-4822-B4E5-BBBC1392F6BD}" type="presOf" srcId="{76030E72-707F-486E-924E-96E74F7DA931}" destId="{B98C0CE2-BB53-4432-A470-F109C6BB99A3}" srcOrd="1" destOrd="0" presId="urn:microsoft.com/office/officeart/2005/8/layout/process4"/>
+    <dgm:cxn modelId="{B3E9046D-4802-4E4F-86DF-E635BDB2C052}" type="presOf" srcId="{42B0BE8E-9BDE-4E3D-8E68-609EBE4302B6}" destId="{D0CF9C70-EB02-4640-A5C9-2CB6E0D4B857}" srcOrd="1" destOrd="0" presId="urn:microsoft.com/office/officeart/2005/8/layout/process4"/>
+    <dgm:cxn modelId="{2CE69F97-C0F2-4910-B4BA-B42D52EA7E99}" type="presOf" srcId="{A10BA2FE-F8E0-4882-9067-14E4C7499A3C}" destId="{9C5712AB-C441-4096-9B0C-3FDB573DF115}" srcOrd="0" destOrd="0" presId="urn:microsoft.com/office/officeart/2005/8/layout/process4"/>
+    <dgm:cxn modelId="{E73A1A57-7218-4EF4-AA5C-EEF1545707D0}" srcId="{76030E72-707F-486E-924E-96E74F7DA931}" destId="{75D88056-7752-4C58-80F7-766B199416AB}" srcOrd="1" destOrd="0" parTransId="{564E700A-26DE-41FC-B08A-73CE629481FA}" sibTransId="{ADB02EAD-92FC-40AB-A6E6-67CE6C224DA5}"/>
+    <dgm:cxn modelId="{5E8E418E-A477-4E02-9C06-8AA06C98FA7D}" srcId="{3E1EF9F8-3116-4852-A248-D24C2FD904CC}" destId="{A9A2D1BA-AEA5-4506-A095-56E351B5E2F1}" srcOrd="0" destOrd="0" parTransId="{9E0C4575-2983-4CEA-BCB7-14DC5F5D4166}" sibTransId="{D3F6D78D-4B61-4FAD-A7A4-BE7F9AB1F44F}"/>
+    <dgm:cxn modelId="{8E5B5FC6-2D49-468D-9996-F4FEB494F851}" srcId="{300DD69B-C318-46E1-8BE4-1DAF82A67566}" destId="{76030E72-707F-486E-924E-96E74F7DA931}" srcOrd="2" destOrd="0" parTransId="{5A1DB709-69AA-4FE7-9912-BF1923C6558C}" sibTransId="{7EF39DA3-CE1E-4AE2-A07A-297F477B49EE}"/>
+    <dgm:cxn modelId="{5B6581B0-84BA-4D56-B097-6CA45464BED8}" type="presOf" srcId="{CBD989BA-A66B-4DE1-B3C3-713F57674499}" destId="{8F579568-FD06-4D48-BF46-10E3703CF5C4}" srcOrd="0" destOrd="1" presId="urn:microsoft.com/office/officeart/2005/8/layout/process4"/>
+    <dgm:cxn modelId="{A1CEFB00-F254-4F97-8D4A-FBE74E7B625F}" type="presOf" srcId="{F8F46033-95C7-4013-9C65-B1EDC7DB4432}" destId="{60F70072-48AE-44E7-BE92-F50654AEC55D}" srcOrd="0" destOrd="1" presId="urn:microsoft.com/office/officeart/2005/8/layout/process4"/>
+    <dgm:cxn modelId="{40E4E2AF-41D9-4C10-86B7-D142084CB06B}" srcId="{3FAE04B8-BDFA-4F2D-8FF2-72F023305C96}" destId="{F8F46033-95C7-4013-9C65-B1EDC7DB4432}" srcOrd="0" destOrd="0" parTransId="{B5654447-C543-4C63-8C64-49A908ABB883}" sibTransId="{5A40AF47-BFCF-4149-A6B5-4CEC5E689AC5}"/>
+    <dgm:cxn modelId="{12ED7B92-6F61-4B50-AA8C-253E77DF5BB6}" type="presOf" srcId="{F77099D8-A68E-46EE-AB2B-5E4657202D61}" destId="{0A901354-8061-4013-BEED-890D5D28AA9D}" srcOrd="0" destOrd="0" presId="urn:microsoft.com/office/officeart/2005/8/layout/process4"/>
+    <dgm:cxn modelId="{E01315C5-564F-481E-B3A4-5C587AE1DC44}" srcId="{300DD69B-C318-46E1-8BE4-1DAF82A67566}" destId="{DED84B33-0CF8-4C9F-9A48-7EB2CCAB2850}" srcOrd="0" destOrd="0" parTransId="{59F7E087-5C95-49F6-B68F-B7FDC8FC9762}" sibTransId="{3DA81D2A-8FEE-4429-99B1-EE6B4845FA6D}"/>
+    <dgm:cxn modelId="{05471F21-87BE-4624-8266-B4A03913995F}" srcId="{300DD69B-C318-46E1-8BE4-1DAF82A67566}" destId="{42B0BE8E-9BDE-4E3D-8E68-609EBE4302B6}" srcOrd="1" destOrd="0" parTransId="{E9163559-0C43-4245-A90B-0F5BBA6A3045}" sibTransId="{7A0271BD-D92B-4D0A-8B48-13D5B673E2D7}"/>
+    <dgm:cxn modelId="{E8204577-E78E-4BC3-9D8A-0ADB612C66A3}" type="presOf" srcId="{F80B2100-6BE7-451E-8627-4F89E6FF626B}" destId="{9C5712AB-C441-4096-9B0C-3FDB573DF115}" srcOrd="0" destOrd="1" presId="urn:microsoft.com/office/officeart/2005/8/layout/process4"/>
+    <dgm:cxn modelId="{7255FE39-614C-46FE-A2CC-C78C817A5720}" type="presOf" srcId="{300DD69B-C318-46E1-8BE4-1DAF82A67566}" destId="{EE808BB9-5700-4047-BC52-F68450454A58}" srcOrd="0" destOrd="0" presId="urn:microsoft.com/office/officeart/2005/8/layout/process4"/>
+    <dgm:cxn modelId="{C50AA6B7-FFA0-4D31-83C6-9FFA00CD47FF}" type="presOf" srcId="{A9A2D1BA-AEA5-4506-A095-56E351B5E2F1}" destId="{A59A5762-2EF0-4099-AA39-95D461E0D38B}" srcOrd="0" destOrd="1" presId="urn:microsoft.com/office/officeart/2005/8/layout/process4"/>
+    <dgm:cxn modelId="{905B0E27-B7F5-4CFB-B728-BDBAC45EFE90}" srcId="{DED84B33-0CF8-4C9F-9A48-7EB2CCAB2850}" destId="{F77099D8-A68E-46EE-AB2B-5E4657202D61}" srcOrd="1" destOrd="0" parTransId="{4F76BA9B-26D9-4203-B42C-24697D645FC2}" sibTransId="{B45A488C-97AC-4082-95DA-E1E1D1488CBC}"/>
+    <dgm:cxn modelId="{0B8D0AFA-E884-43C9-B2D5-110472A1D51C}" srcId="{42B0BE8E-9BDE-4E3D-8E68-609EBE4302B6}" destId="{3FAE04B8-BDFA-4F2D-8FF2-72F023305C96}" srcOrd="1" destOrd="0" parTransId="{ACA8B7F2-427A-45FC-B5A5-6E2032763E77}" sibTransId="{F54B9EEC-7E67-4456-A4D6-1E9EC5F8D850}"/>
+    <dgm:cxn modelId="{DD33AF84-B85C-4DFE-8E53-B3026F2059D8}" srcId="{42B0BE8E-9BDE-4E3D-8E68-609EBE4302B6}" destId="{A10BA2FE-F8E0-4882-9067-14E4C7499A3C}" srcOrd="0" destOrd="0" parTransId="{DCD86C43-F406-4CF2-8453-B197C254C0B3}" sibTransId="{CDF00B6E-18A4-49B0-ACF2-525109184B2A}"/>
+    <dgm:cxn modelId="{13433128-F3A4-4A6B-98B9-F892A8727EBA}" type="presOf" srcId="{02E16B2F-2C32-4931-8801-E6F62FC224B4}" destId="{0A901354-8061-4013-BEED-890D5D28AA9D}" srcOrd="0" destOrd="1" presId="urn:microsoft.com/office/officeart/2005/8/layout/process4"/>
+    <dgm:cxn modelId="{798A4129-BE0F-4D97-ADDF-0BFFBA73300E}" srcId="{645E0B89-7210-4280-A97F-004F36113EB1}" destId="{CBD989BA-A66B-4DE1-B3C3-713F57674499}" srcOrd="0" destOrd="0" parTransId="{A7BFAFFC-3508-440C-80BA-769F72586744}" sibTransId="{7E0D929F-2F9C-42B8-BDE4-B91464A12387}"/>
+    <dgm:cxn modelId="{DDBD4E85-6FE2-4654-8A1A-9D04C0A7B303}" srcId="{76030E72-707F-486E-924E-96E74F7DA931}" destId="{645E0B89-7210-4280-A97F-004F36113EB1}" srcOrd="0" destOrd="0" parTransId="{25AFD55F-2DE7-4096-AC43-48D426F6DFFE}" sibTransId="{B337456D-CE79-4FBA-853D-A66B03A19598}"/>
+    <dgm:cxn modelId="{C14394FC-0009-473F-AE6E-B67E76122768}" type="presOf" srcId="{3FAE04B8-BDFA-4F2D-8FF2-72F023305C96}" destId="{60F70072-48AE-44E7-BE92-F50654AEC55D}" srcOrd="0" destOrd="0" presId="urn:microsoft.com/office/officeart/2005/8/layout/process4"/>
+    <dgm:cxn modelId="{5D406044-077F-427B-A361-09B4517DDCF4}" type="presOf" srcId="{DED84B33-0CF8-4C9F-9A48-7EB2CCAB2850}" destId="{614391D9-EAD5-45C8-B1EF-79B40AF92ADD}" srcOrd="0" destOrd="0" presId="urn:microsoft.com/office/officeart/2005/8/layout/process4"/>
+    <dgm:cxn modelId="{8466CAEB-3A1C-4976-8AF0-9CCF60518CE6}" type="presOf" srcId="{3E1EF9F8-3116-4852-A248-D24C2FD904CC}" destId="{A59A5762-2EF0-4099-AA39-95D461E0D38B}" srcOrd="0" destOrd="0" presId="urn:microsoft.com/office/officeart/2005/8/layout/process4"/>
     <dgm:cxn modelId="{EE516FC1-7DFB-49C1-80AF-792E3360C37F}" type="presOf" srcId="{7B3414B4-35AE-4657-82D6-B0663BCE8927}" destId="{67B62EC4-3927-410F-A9E8-976FCCAFDA07}" srcOrd="0" destOrd="1" presId="urn:microsoft.com/office/officeart/2005/8/layout/process4"/>
-    <dgm:cxn modelId="{8466CAEB-3A1C-4976-8AF0-9CCF60518CE6}" type="presOf" srcId="{3E1EF9F8-3116-4852-A248-D24C2FD904CC}" destId="{A59A5762-2EF0-4099-AA39-95D461E0D38B}" srcOrd="0" destOrd="0" presId="urn:microsoft.com/office/officeart/2005/8/layout/process4"/>
-    <dgm:cxn modelId="{A1CEFB00-F254-4F97-8D4A-FBE74E7B625F}" type="presOf" srcId="{F8F46033-95C7-4013-9C65-B1EDC7DB4432}" destId="{60F70072-48AE-44E7-BE92-F50654AEC55D}" srcOrd="0" destOrd="1" presId="urn:microsoft.com/office/officeart/2005/8/layout/process4"/>
-    <dgm:cxn modelId="{05471F21-87BE-4624-8266-B4A03913995F}" srcId="{300DD69B-C318-46E1-8BE4-1DAF82A67566}" destId="{42B0BE8E-9BDE-4E3D-8E68-609EBE4302B6}" srcOrd="1" destOrd="0" parTransId="{E9163559-0C43-4245-A90B-0F5BBA6A3045}" sibTransId="{7A0271BD-D92B-4D0A-8B48-13D5B673E2D7}"/>
-    <dgm:cxn modelId="{0CF0C653-5326-4822-B4E5-BBBC1392F6BD}" type="presOf" srcId="{76030E72-707F-486E-924E-96E74F7DA931}" destId="{B98C0CE2-BB53-4432-A470-F109C6BB99A3}" srcOrd="1" destOrd="0" presId="urn:microsoft.com/office/officeart/2005/8/layout/process4"/>
-    <dgm:cxn modelId="{C14394FC-0009-473F-AE6E-B67E76122768}" type="presOf" srcId="{3FAE04B8-BDFA-4F2D-8FF2-72F023305C96}" destId="{60F70072-48AE-44E7-BE92-F50654AEC55D}" srcOrd="0" destOrd="0" presId="urn:microsoft.com/office/officeart/2005/8/layout/process4"/>
-    <dgm:cxn modelId="{13433128-F3A4-4A6B-98B9-F892A8727EBA}" type="presOf" srcId="{02E16B2F-2C32-4931-8801-E6F62FC224B4}" destId="{0A901354-8061-4013-BEED-890D5D28AA9D}" srcOrd="0" destOrd="1" presId="urn:microsoft.com/office/officeart/2005/8/layout/process4"/>
-    <dgm:cxn modelId="{5B6581B0-84BA-4D56-B097-6CA45464BED8}" type="presOf" srcId="{CBD989BA-A66B-4DE1-B3C3-713F57674499}" destId="{8F579568-FD06-4D48-BF46-10E3703CF5C4}" srcOrd="0" destOrd="1" presId="urn:microsoft.com/office/officeart/2005/8/layout/process4"/>
-    <dgm:cxn modelId="{12ED7B92-6F61-4B50-AA8C-253E77DF5BB6}" type="presOf" srcId="{F77099D8-A68E-46EE-AB2B-5E4657202D61}" destId="{0A901354-8061-4013-BEED-890D5D28AA9D}" srcOrd="0" destOrd="0" presId="urn:microsoft.com/office/officeart/2005/8/layout/process4"/>
-    <dgm:cxn modelId="{798A4129-BE0F-4D97-ADDF-0BFFBA73300E}" srcId="{645E0B89-7210-4280-A97F-004F36113EB1}" destId="{CBD989BA-A66B-4DE1-B3C3-713F57674499}" srcOrd="0" destOrd="0" parTransId="{A7BFAFFC-3508-440C-80BA-769F72586744}" sibTransId="{7E0D929F-2F9C-42B8-BDE4-B91464A12387}"/>
-    <dgm:cxn modelId="{E01315C5-564F-481E-B3A4-5C587AE1DC44}" srcId="{300DD69B-C318-46E1-8BE4-1DAF82A67566}" destId="{DED84B33-0CF8-4C9F-9A48-7EB2CCAB2850}" srcOrd="0" destOrd="0" parTransId="{59F7E087-5C95-49F6-B68F-B7FDC8FC9762}" sibTransId="{3DA81D2A-8FEE-4429-99B1-EE6B4845FA6D}"/>
-    <dgm:cxn modelId="{B3E9046D-4802-4E4F-86DF-E635BDB2C052}" type="presOf" srcId="{42B0BE8E-9BDE-4E3D-8E68-609EBE4302B6}" destId="{D0CF9C70-EB02-4640-A5C9-2CB6E0D4B857}" srcOrd="1" destOrd="0" presId="urn:microsoft.com/office/officeart/2005/8/layout/process4"/>
-    <dgm:cxn modelId="{8E5B5FC6-2D49-468D-9996-F4FEB494F851}" srcId="{300DD69B-C318-46E1-8BE4-1DAF82A67566}" destId="{76030E72-707F-486E-924E-96E74F7DA931}" srcOrd="2" destOrd="0" parTransId="{5A1DB709-69AA-4FE7-9912-BF1923C6558C}" sibTransId="{7EF39DA3-CE1E-4AE2-A07A-297F477B49EE}"/>
-    <dgm:cxn modelId="{958BF1F5-1FB9-4240-9CCD-32AE53A24995}" type="presOf" srcId="{75D88056-7752-4C58-80F7-766B199416AB}" destId="{67B62EC4-3927-410F-A9E8-976FCCAFDA07}" srcOrd="0" destOrd="0" presId="urn:microsoft.com/office/officeart/2005/8/layout/process4"/>
-    <dgm:cxn modelId="{2CE69F97-C0F2-4910-B4BA-B42D52EA7E99}" type="presOf" srcId="{A10BA2FE-F8E0-4882-9067-14E4C7499A3C}" destId="{9C5712AB-C441-4096-9B0C-3FDB573DF115}" srcOrd="0" destOrd="0" presId="urn:microsoft.com/office/officeart/2005/8/layout/process4"/>
-    <dgm:cxn modelId="{E8204577-E78E-4BC3-9D8A-0ADB612C66A3}" type="presOf" srcId="{F80B2100-6BE7-451E-8627-4F89E6FF626B}" destId="{9C5712AB-C441-4096-9B0C-3FDB573DF115}" srcOrd="0" destOrd="1" presId="urn:microsoft.com/office/officeart/2005/8/layout/process4"/>
-    <dgm:cxn modelId="{DDBD4E85-6FE2-4654-8A1A-9D04C0A7B303}" srcId="{76030E72-707F-486E-924E-96E74F7DA931}" destId="{645E0B89-7210-4280-A97F-004F36113EB1}" srcOrd="0" destOrd="0" parTransId="{25AFD55F-2DE7-4096-AC43-48D426F6DFFE}" sibTransId="{B337456D-CE79-4FBA-853D-A66B03A19598}"/>
-    <dgm:cxn modelId="{0B8D0AFA-E884-43C9-B2D5-110472A1D51C}" srcId="{42B0BE8E-9BDE-4E3D-8E68-609EBE4302B6}" destId="{3FAE04B8-BDFA-4F2D-8FF2-72F023305C96}" srcOrd="1" destOrd="0" parTransId="{ACA8B7F2-427A-45FC-B5A5-6E2032763E77}" sibTransId="{F54B9EEC-7E67-4456-A4D6-1E9EC5F8D850}"/>
+    <dgm:cxn modelId="{ACA77FA4-AC6C-4C09-98C4-2528584F5743}" srcId="{75D88056-7752-4C58-80F7-766B199416AB}" destId="{7B3414B4-35AE-4657-82D6-B0663BCE8927}" srcOrd="0" destOrd="0" parTransId="{C9AF1518-6628-4FF2-A08B-0203C7D81213}" sibTransId="{8EA03930-70D7-4159-9CC6-ACDC5FB28A21}"/>
+    <dgm:cxn modelId="{00D91EF8-DC37-43F4-8BE5-66F7EF20A4DD}" srcId="{A10BA2FE-F8E0-4882-9067-14E4C7499A3C}" destId="{F80B2100-6BE7-451E-8627-4F89E6FF626B}" srcOrd="0" destOrd="0" parTransId="{2DD184A5-DBB8-4758-9526-90FFAE542279}" sibTransId="{CAF8A5A3-4805-4D2D-B89C-42015F97F78C}"/>
+    <dgm:cxn modelId="{E04BC51B-DF8C-4EEF-8593-2184B2ECB722}" type="presOf" srcId="{645E0B89-7210-4280-A97F-004F36113EB1}" destId="{8F579568-FD06-4D48-BF46-10E3703CF5C4}" srcOrd="0" destOrd="0" presId="urn:microsoft.com/office/officeart/2005/8/layout/process4"/>
+    <dgm:cxn modelId="{5CF3CC43-B5D1-41A1-876D-136B8D840C68}" type="presOf" srcId="{76030E72-707F-486E-924E-96E74F7DA931}" destId="{9FCF6559-4094-49C5-AB8D-279695A90712}" srcOrd="0" destOrd="0" presId="urn:microsoft.com/office/officeart/2005/8/layout/process4"/>
     <dgm:cxn modelId="{ACAE7983-D7CA-45AC-998A-1B98E994F1E3}" type="presOf" srcId="{42B0BE8E-9BDE-4E3D-8E68-609EBE4302B6}" destId="{D7E7348D-BDB6-4D2B-81C0-23A153D85C38}" srcOrd="0" destOrd="0" presId="urn:microsoft.com/office/officeart/2005/8/layout/process4"/>
-    <dgm:cxn modelId="{5E8E418E-A477-4E02-9C06-8AA06C98FA7D}" srcId="{3E1EF9F8-3116-4852-A248-D24C2FD904CC}" destId="{A9A2D1BA-AEA5-4506-A095-56E351B5E2F1}" srcOrd="0" destOrd="0" parTransId="{9E0C4575-2983-4CEA-BCB7-14DC5F5D4166}" sibTransId="{D3F6D78D-4B61-4FAD-A7A4-BE7F9AB1F44F}"/>
-    <dgm:cxn modelId="{40E4E2AF-41D9-4C10-86B7-D142084CB06B}" srcId="{3FAE04B8-BDFA-4F2D-8FF2-72F023305C96}" destId="{F8F46033-95C7-4013-9C65-B1EDC7DB4432}" srcOrd="0" destOrd="0" parTransId="{B5654447-C543-4C63-8C64-49A908ABB883}" sibTransId="{5A40AF47-BFCF-4149-A6B5-4CEC5E689AC5}"/>
-    <dgm:cxn modelId="{905B0E27-B7F5-4CFB-B728-BDBAC45EFE90}" srcId="{DED84B33-0CF8-4C9F-9A48-7EB2CCAB2850}" destId="{F77099D8-A68E-46EE-AB2B-5E4657202D61}" srcOrd="1" destOrd="0" parTransId="{4F76BA9B-26D9-4203-B42C-24697D645FC2}" sibTransId="{B45A488C-97AC-4082-95DA-E1E1D1488CBC}"/>
-    <dgm:cxn modelId="{ACA77FA4-AC6C-4C09-98C4-2528584F5743}" srcId="{75D88056-7752-4C58-80F7-766B199416AB}" destId="{7B3414B4-35AE-4657-82D6-B0663BCE8927}" srcOrd="0" destOrd="0" parTransId="{C9AF1518-6628-4FF2-A08B-0203C7D81213}" sibTransId="{8EA03930-70D7-4159-9CC6-ACDC5FB28A21}"/>
-    <dgm:cxn modelId="{7255FE39-614C-46FE-A2CC-C78C817A5720}" type="presOf" srcId="{300DD69B-C318-46E1-8BE4-1DAF82A67566}" destId="{EE808BB9-5700-4047-BC52-F68450454A58}" srcOrd="0" destOrd="0" presId="urn:microsoft.com/office/officeart/2005/8/layout/process4"/>
-    <dgm:cxn modelId="{5BC12930-A3CD-4672-8AD1-EB9A1E534120}" srcId="{F77099D8-A68E-46EE-AB2B-5E4657202D61}" destId="{02E16B2F-2C32-4931-8801-E6F62FC224B4}" srcOrd="0" destOrd="0" parTransId="{06D97650-D822-4E93-9DDB-4D3A82FF3770}" sibTransId="{38EDBE91-C2B2-4E4B-87D7-A03BDE950416}"/>
-    <dgm:cxn modelId="{C50AA6B7-FFA0-4D31-83C6-9FFA00CD47FF}" type="presOf" srcId="{A9A2D1BA-AEA5-4506-A095-56E351B5E2F1}" destId="{A59A5762-2EF0-4099-AA39-95D461E0D38B}" srcOrd="0" destOrd="1" presId="urn:microsoft.com/office/officeart/2005/8/layout/process4"/>
-    <dgm:cxn modelId="{E04BC51B-DF8C-4EEF-8593-2184B2ECB722}" type="presOf" srcId="{645E0B89-7210-4280-A97F-004F36113EB1}" destId="{8F579568-FD06-4D48-BF46-10E3703CF5C4}" srcOrd="0" destOrd="0" presId="urn:microsoft.com/office/officeart/2005/8/layout/process4"/>
     <dgm:cxn modelId="{8B1F22A7-08D4-49FA-820D-11B783C6B2E4}" type="presParOf" srcId="{EE808BB9-5700-4047-BC52-F68450454A58}" destId="{B7808616-F3E0-406D-BC76-B856F09E8058}" srcOrd="0" destOrd="0" presId="urn:microsoft.com/office/officeart/2005/8/layout/process4"/>
     <dgm:cxn modelId="{89F91953-AB57-47DA-8DB4-DE1D36B477D2}" type="presParOf" srcId="{B7808616-F3E0-406D-BC76-B856F09E8058}" destId="{9FCF6559-4094-49C5-AB8D-279695A90712}" srcOrd="0" destOrd="0" presId="urn:microsoft.com/office/officeart/2005/8/layout/process4"/>
     <dgm:cxn modelId="{C10386C9-9752-40A4-895C-DB5CE28EFD6D}" type="presParOf" srcId="{B7808616-F3E0-406D-BC76-B856F09E8058}" destId="{B98C0CE2-BB53-4432-A470-F109C6BB99A3}" srcOrd="1" destOrd="0" presId="urn:microsoft.com/office/officeart/2005/8/layout/process4"/>
@@ -7713,7 +7811,7 @@
           <a:p>
             <a:fld id="{59088EAF-6ECA-4616-85EF-35AA19C641F3}" type="datetimeFigureOut">
               <a:rPr lang="en-US"/>
-              <a:t>11/3/2014</a:t>
+              <a:t>11/4/2014</a:t>
             </a:fld>
             <a:endParaRPr dirty="0"/>
           </a:p>
@@ -7878,7 +7976,7 @@
           <a:p>
             <a:fld id="{3ABD2D7A-D230-4F91-BD59-0A39C2703BA8}" type="datetimeFigureOut">
               <a:rPr lang="en-US"/>
-              <a:t>11/3/2014</a:t>
+              <a:t>11/4/2014</a:t>
             </a:fld>
             <a:endParaRPr dirty="0"/>
           </a:p>
@@ -8480,7 +8578,7 @@
           <a:p>
             <a:fld id="{03F41C87-7AD9-4845-A077-840E4A0F3F06}" type="datetimeFigureOut">
               <a:rPr lang="en-US"/>
-              <a:t>11/3/2014</a:t>
+              <a:t>11/4/2014</a:t>
             </a:fld>
             <a:endParaRPr dirty="0"/>
           </a:p>
@@ -8679,7 +8777,7 @@
           <a:p>
             <a:fld id="{03F41C87-7AD9-4845-A077-840E4A0F3F06}" type="datetimeFigureOut">
               <a:rPr lang="en-US"/>
-              <a:t>11/3/2014</a:t>
+              <a:t>11/4/2014</a:t>
             </a:fld>
             <a:endParaRPr dirty="0"/>
           </a:p>
@@ -8875,7 +8973,7 @@
           <a:p>
             <a:fld id="{03F41C87-7AD9-4845-A077-840E4A0F3F06}" type="datetimeFigureOut">
               <a:rPr lang="en-US"/>
-              <a:t>11/3/2014</a:t>
+              <a:t>11/4/2014</a:t>
             </a:fld>
             <a:endParaRPr dirty="0"/>
           </a:p>
@@ -9162,7 +9260,7 @@
           <a:p>
             <a:fld id="{03F41C87-7AD9-4845-A077-840E4A0F3F06}" type="datetimeFigureOut">
               <a:rPr lang="en-US"/>
-              <a:t>11/3/2014</a:t>
+              <a:t>11/4/2014</a:t>
             </a:fld>
             <a:endParaRPr dirty="0"/>
           </a:p>
@@ -9473,7 +9571,7 @@
           <a:p>
             <a:fld id="{03F41C87-7AD9-4845-A077-840E4A0F3F06}" type="datetimeFigureOut">
               <a:rPr lang="en-US"/>
-              <a:t>11/3/2014</a:t>
+              <a:t>11/4/2014</a:t>
             </a:fld>
             <a:endParaRPr dirty="0"/>
           </a:p>
@@ -9936,7 +10034,7 @@
           <a:p>
             <a:fld id="{03F41C87-7AD9-4845-A077-840E4A0F3F06}" type="datetimeFigureOut">
               <a:rPr lang="en-US"/>
-              <a:t>11/3/2014</a:t>
+              <a:t>11/4/2014</a:t>
             </a:fld>
             <a:endParaRPr dirty="0"/>
           </a:p>
@@ -10073,7 +10171,7 @@
           <a:p>
             <a:fld id="{03F41C87-7AD9-4845-A077-840E4A0F3F06}" type="datetimeFigureOut">
               <a:rPr lang="en-US"/>
-              <a:t>11/3/2014</a:t>
+              <a:t>11/4/2014</a:t>
             </a:fld>
             <a:endParaRPr dirty="0"/>
           </a:p>
@@ -10195,7 +10293,7 @@
           <a:p>
             <a:fld id="{03F41C87-7AD9-4845-A077-840E4A0F3F06}" type="datetimeFigureOut">
               <a:rPr lang="en-US"/>
-              <a:t>11/3/2014</a:t>
+              <a:t>11/4/2014</a:t>
             </a:fld>
             <a:endParaRPr dirty="0"/>
           </a:p>
@@ -10524,7 +10622,7 @@
           <a:p>
             <a:fld id="{03F41C87-7AD9-4845-A077-840E4A0F3F06}" type="datetimeFigureOut">
               <a:rPr lang="en-US"/>
-              <a:t>11/3/2014</a:t>
+              <a:t>11/4/2014</a:t>
             </a:fld>
             <a:endParaRPr dirty="0"/>
           </a:p>
@@ -10843,7 +10941,7 @@
             <a:fld id="{03F41C87-7AD9-4845-A077-840E4A0F3F06}" type="datetimeFigureOut">
               <a:rPr lang="en-US"/>
               <a:pPr/>
-              <a:t>11/3/2014</a:t>
+              <a:t>11/4/2014</a:t>
             </a:fld>
             <a:endParaRPr dirty="0"/>
           </a:p>
@@ -11086,7 +11184,7 @@
             <a:fld id="{03F41C87-7AD9-4845-A077-840E4A0F3F06}" type="datetimeFigureOut">
               <a:rPr lang="en-US"/>
               <a:pPr/>
-              <a:t>11/3/2014</a:t>
+              <a:t>11/4/2014</a:t>
             </a:fld>
             <a:endParaRPr dirty="0"/>
           </a:p>
@@ -11513,7 +11611,7 @@
   </p:txStyles>
   <p:extLst>
     <p:ext uri="{27BBF7A9-308A-43DC-89C8-2F10F3537804}">
-      <p15:sldGuideLst xmlns:p15="http://schemas.microsoft.com/office/powerpoint/2012/main">
+      <p15:sldGuideLst xmlns="" xmlns:p15="http://schemas.microsoft.com/office/powerpoint/2012/main">
         <p15:guide id="1" pos="3839" userDrawn="1">
           <p15:clr>
             <a:srgbClr val="F26B43"/>
@@ -11709,13 +11807,13 @@
   <p:clrMapOvr>
     <a:masterClrMapping/>
   </p:clrMapOvr>
-  <mc:AlternateContent xmlns:mc="http://schemas.openxmlformats.org/markup-compatibility/2006">
-    <mc:Choice xmlns:p14="http://schemas.microsoft.com/office/powerpoint/2010/main" Requires="p14">
+  <mc:AlternateContent xmlns:mc="http://schemas.openxmlformats.org/markup-compatibility/2006" xmlns:p14="http://schemas.microsoft.com/office/powerpoint/2010/main">
+    <mc:Choice Requires="p14">
       <p:transition spd="med" p14:dur="700">
         <p:fade/>
       </p:transition>
     </mc:Choice>
-    <mc:Fallback>
+    <mc:Fallback xmlns="">
       <p:transition spd="med">
         <p:fade/>
       </p:transition>
@@ -11806,13 +11904,13 @@
   <p:clrMapOvr>
     <a:masterClrMapping/>
   </p:clrMapOvr>
-  <mc:AlternateContent xmlns:mc="http://schemas.openxmlformats.org/markup-compatibility/2006">
-    <mc:Choice xmlns:p14="http://schemas.microsoft.com/office/powerpoint/2010/main" Requires="p14">
+  <mc:AlternateContent xmlns:mc="http://schemas.openxmlformats.org/markup-compatibility/2006" xmlns:p14="http://schemas.microsoft.com/office/powerpoint/2010/main">
+    <mc:Choice Requires="p14">
       <p:transition spd="med" p14:dur="700">
         <p:fade/>
       </p:transition>
     </mc:Choice>
-    <mc:Fallback>
+    <mc:Fallback xmlns="">
       <p:transition spd="med">
         <p:fade/>
       </p:transition>
@@ -11880,47 +11978,62 @@
         </p:nvSpPr>
         <p:spPr/>
         <p:txBody>
-          <a:bodyPr/>
+          <a:bodyPr>
+            <a:normAutofit/>
+          </a:bodyPr>
           <a:lstStyle/>
           <a:p>
             <a:r>
               <a:rPr lang="en-US" dirty="0" smtClean="0"/>
+              <a:t>PDR and CDR</a:t>
+            </a:r>
+          </a:p>
+          <a:p>
+            <a:r>
+              <a:rPr lang="en-US" dirty="0"/>
+              <a:t>Demo</a:t>
+            </a:r>
+          </a:p>
+          <a:p>
+            <a:pPr lvl="1"/>
+            <a:r>
+              <a:rPr lang="en-US" dirty="0"/>
               <a:t>Able to follow lines on the ground</a:t>
             </a:r>
           </a:p>
           <a:p>
+            <a:pPr lvl="2"/>
+            <a:r>
+              <a:rPr lang="en-US" dirty="0"/>
+              <a:t>Possibility of using similar technology for other applications(i.e. following scents, light, or radiation trails)</a:t>
+            </a:r>
+          </a:p>
+          <a:p>
             <a:pPr lvl="1"/>
             <a:r>
-              <a:rPr lang="en-US" dirty="0" smtClean="0"/>
-              <a:t>Possibility of using similar technology for other applications(i.e. following scents, light, or radiation trails)</a:t>
+              <a:rPr lang="en-US" dirty="0"/>
+              <a:t>Able to read binary input</a:t>
+            </a:r>
+          </a:p>
+          <a:p>
+            <a:pPr lvl="2"/>
+            <a:r>
+              <a:rPr lang="en-US" dirty="0"/>
+              <a:t>Useful for relaying information to the robot</a:t>
+            </a:r>
+          </a:p>
+          <a:p>
+            <a:pPr lvl="2"/>
+            <a:r>
+              <a:rPr lang="en-US" dirty="0"/>
+              <a:t>Implementation of secondary input mode in future design</a:t>
             </a:r>
           </a:p>
           <a:p>
             <a:r>
               <a:rPr lang="en-US" dirty="0" smtClean="0"/>
-              <a:t>Able to read binary input</a:t>
+              <a:t>Final Report</a:t>
             </a:r>
-          </a:p>
-          <a:p>
-            <a:pPr lvl="1"/>
-            <a:r>
-              <a:rPr lang="en-US" dirty="0" smtClean="0"/>
-              <a:t>Useful for relaying information to the robot</a:t>
-            </a:r>
-          </a:p>
-          <a:p>
-            <a:pPr lvl="2"/>
-            <a:r>
-              <a:rPr lang="en-US" dirty="0" smtClean="0"/>
-              <a:t>Implementation of secondary input mode in future designs</a:t>
-            </a:r>
-          </a:p>
-          <a:p>
-            <a:r>
-              <a:rPr lang="en-US" dirty="0" smtClean="0"/>
-              <a:t>Able to …</a:t>
-            </a:r>
-            <a:endParaRPr lang="en-US" dirty="0"/>
           </a:p>
         </p:txBody>
       </p:sp>
@@ -11934,13 +12047,13 @@
   <p:clrMapOvr>
     <a:masterClrMapping/>
   </p:clrMapOvr>
-  <mc:AlternateContent xmlns:mc="http://schemas.openxmlformats.org/markup-compatibility/2006">
-    <mc:Choice xmlns:p14="http://schemas.microsoft.com/office/powerpoint/2010/main" Requires="p14">
+  <mc:AlternateContent xmlns:mc="http://schemas.openxmlformats.org/markup-compatibility/2006" xmlns:p14="http://schemas.microsoft.com/office/powerpoint/2010/main">
+    <mc:Choice Requires="p14">
       <p:transition spd="med" p14:dur="700">
         <p:fade/>
       </p:transition>
     </mc:Choice>
-    <mc:Fallback>
+    <mc:Fallback xmlns="">
       <p:transition spd="med">
         <p:fade/>
       </p:transition>
@@ -12204,13 +12317,13 @@
   <p:clrMapOvr>
     <a:masterClrMapping/>
   </p:clrMapOvr>
-  <mc:AlternateContent xmlns:mc="http://schemas.openxmlformats.org/markup-compatibility/2006">
-    <mc:Choice xmlns:p14="http://schemas.microsoft.com/office/powerpoint/2010/main" Requires="p14">
+  <mc:AlternateContent xmlns:mc="http://schemas.openxmlformats.org/markup-compatibility/2006" xmlns:p14="http://schemas.microsoft.com/office/powerpoint/2010/main">
+    <mc:Choice Requires="p14">
       <p:transition spd="med" p14:dur="700">
         <p:fade/>
       </p:transition>
     </mc:Choice>
-    <mc:Fallback>
+    <mc:Fallback xmlns="">
       <p:transition spd="med">
         <p:fade/>
       </p:transition>
@@ -12301,13 +12414,13 @@
   <p:clrMapOvr>
     <a:masterClrMapping/>
   </p:clrMapOvr>
-  <mc:AlternateContent xmlns:mc="http://schemas.openxmlformats.org/markup-compatibility/2006">
-    <mc:Choice xmlns:p14="http://schemas.microsoft.com/office/powerpoint/2010/main" Requires="p14">
+  <mc:AlternateContent xmlns:mc="http://schemas.openxmlformats.org/markup-compatibility/2006" xmlns:p14="http://schemas.microsoft.com/office/powerpoint/2010/main">
+    <mc:Choice Requires="p14">
       <p:transition spd="med" p14:dur="700">
         <p:fade/>
       </p:transition>
     </mc:Choice>
-    <mc:Fallback>
+    <mc:Fallback xmlns="">
       <p:transition spd="med">
         <p:fade/>
       </p:transition>
@@ -12387,7 +12500,22 @@
             <a:pPr lvl="1"/>
             <a:r>
               <a:rPr lang="en-US" sz="2400" dirty="0" smtClean="0"/>
-              <a:t>Follows a black line on the floor </a:t>
+              <a:t>Follows a black line on the </a:t>
+            </a:r>
+            <a:r>
+              <a:rPr lang="en-US" sz="2400" dirty="0" smtClean="0"/>
+              <a:t>floor</a:t>
+            </a:r>
+          </a:p>
+          <a:p>
+            <a:pPr lvl="1"/>
+            <a:r>
+              <a:rPr lang="en-US" sz="2400" dirty="0" smtClean="0"/>
+              <a:t>Robot makes corrections depending on the lines location</a:t>
+            </a:r>
+            <a:r>
+              <a:rPr lang="en-US" sz="2400" dirty="0" smtClean="0"/>
+              <a:t> </a:t>
             </a:r>
             <a:endParaRPr lang="en-US" sz="2400" dirty="0"/>
           </a:p>
@@ -12578,13 +12706,13 @@
   <p:clrMapOvr>
     <a:masterClrMapping/>
   </p:clrMapOvr>
-  <mc:AlternateContent xmlns:mc="http://schemas.openxmlformats.org/markup-compatibility/2006">
-    <mc:Choice xmlns:p14="http://schemas.microsoft.com/office/powerpoint/2010/main" Requires="p14">
+  <mc:AlternateContent xmlns:mc="http://schemas.openxmlformats.org/markup-compatibility/2006" xmlns:p14="http://schemas.microsoft.com/office/powerpoint/2010/main">
+    <mc:Choice Requires="p14">
       <p:transition spd="med" p14:dur="700">
         <p:fade/>
       </p:transition>
     </mc:Choice>
-    <mc:Fallback>
+    <mc:Fallback xmlns="">
       <p:transition spd="med">
         <p:fade/>
       </p:transition>
@@ -12657,15 +12785,39 @@
             <p:ph idx="1"/>
           </p:nvPr>
         </p:nvSpPr>
-        <p:spPr/>
+        <p:spPr>
+          <a:xfrm>
+            <a:off x="1522412" y="1981200"/>
+            <a:ext cx="9134391" cy="2667001"/>
+          </a:xfrm>
+        </p:spPr>
         <p:txBody>
           <a:bodyPr/>
           <a:lstStyle/>
           <a:p>
             <a:r>
               <a:rPr lang="en-US" dirty="0" smtClean="0"/>
-              <a:t>To be determined</a:t>
+              <a:t>Map a separate PWM pin and Timer to use for music</a:t>
             </a:r>
+          </a:p>
+          <a:p>
+            <a:r>
+              <a:rPr lang="en-US" dirty="0" smtClean="0"/>
+              <a:t>Program simple music using PWM</a:t>
+            </a:r>
+          </a:p>
+          <a:p>
+            <a:r>
+              <a:rPr lang="en-US" dirty="0" smtClean="0"/>
+              <a:t>Map a PWM pin to an op amp</a:t>
+            </a:r>
+          </a:p>
+          <a:p>
+            <a:r>
+              <a:rPr lang="en-US" dirty="0" smtClean="0"/>
+              <a:t>Add an 8 ohm speaker to the op amp</a:t>
+            </a:r>
+            <a:endParaRPr lang="en-US" dirty="0" smtClean="0"/>
           </a:p>
           <a:p>
             <a:endParaRPr lang="en-US" dirty="0"/>
@@ -12682,13 +12834,13 @@
   <p:clrMapOvr>
     <a:masterClrMapping/>
   </p:clrMapOvr>
-  <mc:AlternateContent xmlns:mc="http://schemas.openxmlformats.org/markup-compatibility/2006">
-    <mc:Choice xmlns:p14="http://schemas.microsoft.com/office/powerpoint/2010/main" Requires="p14">
+  <mc:AlternateContent xmlns:mc="http://schemas.openxmlformats.org/markup-compatibility/2006" xmlns:p14="http://schemas.microsoft.com/office/powerpoint/2010/main">
+    <mc:Choice Requires="p14">
       <p:transition spd="med" p14:dur="700">
         <p:fade/>
       </p:transition>
     </mc:Choice>
-    <mc:Fallback>
+    <mc:Fallback xmlns="">
       <p:transition spd="med">
         <p:fade/>
       </p:transition>
@@ -12784,9 +12936,26 @@
           <a:p>
             <a:r>
               <a:rPr lang="en-US" dirty="0" smtClean="0"/>
-              <a:t>Cool stuff</a:t>
+              <a:t>Basic Robot Build</a:t>
             </a:r>
-            <a:endParaRPr lang="en-US" dirty="0"/>
+          </a:p>
+          <a:p>
+            <a:r>
+              <a:rPr lang="en-US" dirty="0" smtClean="0"/>
+              <a:t>IR transmitters and receivers</a:t>
+            </a:r>
+          </a:p>
+          <a:p>
+            <a:r>
+              <a:rPr lang="en-US" dirty="0" smtClean="0"/>
+              <a:t>Speaker</a:t>
+            </a:r>
+          </a:p>
+          <a:p>
+            <a:r>
+              <a:rPr lang="en-US" dirty="0" smtClean="0"/>
+              <a:t>Wired controller</a:t>
+            </a:r>
           </a:p>
         </p:txBody>
       </p:sp>
@@ -12830,9 +12999,20 @@
           <a:p>
             <a:r>
               <a:rPr lang="en-US" dirty="0" smtClean="0"/>
-              <a:t>stuff</a:t>
+              <a:t>Line following algorithm</a:t>
             </a:r>
-            <a:endParaRPr lang="en-US" dirty="0"/>
+          </a:p>
+          <a:p>
+            <a:r>
+              <a:rPr lang="en-US" dirty="0" smtClean="0"/>
+              <a:t>Bar code reader</a:t>
+            </a:r>
+          </a:p>
+          <a:p>
+            <a:r>
+              <a:rPr lang="en-US" dirty="0" smtClean="0"/>
+              <a:t>Programmed Music using PWM</a:t>
+            </a:r>
           </a:p>
         </p:txBody>
       </p:sp>
@@ -12846,13 +13026,13 @@
   <p:clrMapOvr>
     <a:masterClrMapping/>
   </p:clrMapOvr>
-  <mc:AlternateContent xmlns:mc="http://schemas.openxmlformats.org/markup-compatibility/2006">
-    <mc:Choice xmlns:p14="http://schemas.microsoft.com/office/powerpoint/2010/main" Requires="p14">
+  <mc:AlternateContent xmlns:mc="http://schemas.openxmlformats.org/markup-compatibility/2006" xmlns:p14="http://schemas.microsoft.com/office/powerpoint/2010/main">
+    <mc:Choice Requires="p14">
       <p:transition spd="med" p14:dur="700">
         <p:fade/>
       </p:transition>
     </mc:Choice>
-    <mc:Fallback>
+    <mc:Fallback xmlns="">
       <p:transition spd="med">
         <p:fade/>
       </p:transition>
@@ -12908,25 +13088,62 @@
           </a:p>
         </p:txBody>
       </p:sp>
-      <p:sp>
-        <p:nvSpPr>
-          <p:cNvPr id="3" name="Content Placeholder 2"/>
-          <p:cNvSpPr>
-            <a:spLocks noGrp="1"/>
-          </p:cNvSpPr>
+      <p:pic>
+        <p:nvPicPr>
+          <p:cNvPr id="1026" name="Picture 2"/>
+          <p:cNvPicPr>
+            <a:picLocks noGrp="1" noChangeAspect="1" noChangeArrowheads="1"/>
+          </p:cNvPicPr>
           <p:nvPr>
             <p:ph idx="1"/>
           </p:nvPr>
-        </p:nvSpPr>
-        <p:spPr/>
-        <p:txBody>
-          <a:bodyPr/>
-          <a:lstStyle/>
-          <a:p>
-            <a:endParaRPr lang="en-US"/>
-          </a:p>
-        </p:txBody>
-      </p:sp>
+        </p:nvPicPr>
+        <p:blipFill>
+          <a:blip r:embed="rId2">
+            <a:extLst>
+              <a:ext uri="{28A0092B-C50C-407E-A947-70E740481C1C}">
+                <a14:useLocalDpi xmlns:a14="http://schemas.microsoft.com/office/drawing/2010/main" val="0"/>
+              </a:ext>
+            </a:extLst>
+          </a:blip>
+          <a:srcRect/>
+          <a:stretch>
+            <a:fillRect/>
+          </a:stretch>
+        </p:blipFill>
+        <p:spPr bwMode="auto">
+          <a:xfrm>
+            <a:off x="1751012" y="1828800"/>
+            <a:ext cx="8153400" cy="4429958"/>
+          </a:xfrm>
+          <a:prstGeom prst="rect">
+            <a:avLst/>
+          </a:prstGeom>
+          <a:noFill/>
+          <a:ln>
+            <a:noFill/>
+          </a:ln>
+          <a:extLst>
+            <a:ext uri="{909E8E84-426E-40DD-AFC4-6F175D3DCCD1}">
+              <a14:hiddenFill xmlns:a14="http://schemas.microsoft.com/office/drawing/2010/main">
+                <a:solidFill>
+                  <a:schemeClr val="accent1"/>
+                </a:solidFill>
+              </a14:hiddenFill>
+            </a:ext>
+            <a:ext uri="{91240B29-F687-4F45-9708-019B960494DF}">
+              <a14:hiddenLine xmlns:a14="http://schemas.microsoft.com/office/drawing/2010/main" w="9525">
+                <a:solidFill>
+                  <a:schemeClr val="tx1"/>
+                </a:solidFill>
+                <a:miter lim="800000"/>
+                <a:headEnd/>
+                <a:tailEnd/>
+              </a14:hiddenLine>
+            </a:ext>
+          </a:extLst>
+        </p:spPr>
+      </p:pic>
     </p:spTree>
     <p:extLst>
       <p:ext uri="{BB962C8B-B14F-4D97-AF65-F5344CB8AC3E}">
@@ -12937,13 +13154,13 @@
   <p:clrMapOvr>
     <a:masterClrMapping/>
   </p:clrMapOvr>
-  <mc:AlternateContent xmlns:mc="http://schemas.openxmlformats.org/markup-compatibility/2006">
-    <mc:Choice xmlns:p14="http://schemas.microsoft.com/office/powerpoint/2010/main" Requires="p14">
+  <mc:AlternateContent xmlns:mc="http://schemas.openxmlformats.org/markup-compatibility/2006" xmlns:p14="http://schemas.microsoft.com/office/powerpoint/2010/main">
+    <mc:Choice Requires="p14">
       <p:transition spd="med" p14:dur="700">
         <p:fade/>
       </p:transition>
     </mc:Choice>
-    <mc:Fallback>
+    <mc:Fallback xmlns="">
       <p:transition spd="med">
         <p:fade/>
       </p:transition>
@@ -13014,6 +13231,10 @@
           <a:bodyPr/>
           <a:lstStyle/>
           <a:p>
+            <a:r>
+              <a:rPr lang="en-US" dirty="0" smtClean="0"/>
+              <a:t>Build and Design</a:t>
+            </a:r>
             <a:endParaRPr lang="en-US" dirty="0"/>
           </a:p>
         </p:txBody>
@@ -13033,6 +13254,23 @@
           <a:bodyPr/>
           <a:lstStyle/>
           <a:p>
+            <a:r>
+              <a:rPr lang="en-US" dirty="0" smtClean="0"/>
+              <a:t>Develop an line following software and hardware</a:t>
+            </a:r>
+          </a:p>
+          <a:p>
+            <a:r>
+              <a:rPr lang="en-US" dirty="0" smtClean="0"/>
+              <a:t>Bar code reading software</a:t>
+            </a:r>
+            <a:endParaRPr lang="en-US" dirty="0"/>
+          </a:p>
+          <a:p>
+            <a:r>
+              <a:rPr lang="en-US" dirty="0" smtClean="0"/>
+              <a:t>Program music and assemble and op-amp and speaker</a:t>
+            </a:r>
             <a:endParaRPr lang="en-US" dirty="0"/>
           </a:p>
         </p:txBody>
@@ -13052,6 +13290,10 @@
           <a:bodyPr/>
           <a:lstStyle/>
           <a:p>
+            <a:r>
+              <a:rPr lang="en-US" dirty="0" smtClean="0"/>
+              <a:t>Testing</a:t>
+            </a:r>
             <a:endParaRPr lang="en-US" dirty="0"/>
           </a:p>
         </p:txBody>
@@ -13066,11 +13308,35 @@
             <p:ph sz="quarter" idx="4"/>
           </p:nvPr>
         </p:nvSpPr>
-        <p:spPr/>
+        <p:spPr>
+          <a:xfrm>
+            <a:off x="6246812" y="2667000"/>
+            <a:ext cx="4416552" cy="3124200"/>
+          </a:xfrm>
+        </p:spPr>
         <p:txBody>
-          <a:bodyPr/>
+          <a:bodyPr>
+            <a:normAutofit/>
+          </a:bodyPr>
           <a:lstStyle/>
           <a:p>
+            <a:r>
+              <a:rPr lang="en-US" dirty="0" smtClean="0"/>
+              <a:t>Adjusting trim to allow for optimal line following</a:t>
+            </a:r>
+          </a:p>
+          <a:p>
+            <a:r>
+              <a:rPr lang="en-US" dirty="0" smtClean="0"/>
+              <a:t>Practice driving over and scanning bar codes </a:t>
+            </a:r>
+            <a:endParaRPr lang="en-US" dirty="0"/>
+          </a:p>
+          <a:p>
+            <a:r>
+              <a:rPr lang="en-US" dirty="0" smtClean="0"/>
+              <a:t>Test music playing while following a line </a:t>
+            </a:r>
             <a:endParaRPr lang="en-US" dirty="0"/>
           </a:p>
         </p:txBody>

--- a/Preluminary Design Report.pptx
+++ b/Preluminary Design Report.pptx
@@ -127,7 +127,7 @@
   </p:defaultTextStyle>
   <p:extLst>
     <p:ext uri="{EFAFB233-063F-42B5-8137-9DF3F51BA10A}">
-      <p15:sldGuideLst xmlns="" xmlns:p15="http://schemas.microsoft.com/office/powerpoint/2012/main">
+      <p15:sldGuideLst xmlns:p15="http://schemas.microsoft.com/office/powerpoint/2012/main" xmlns="">
         <p15:guide id="1" pos="3839" userDrawn="1">
           <p15:clr>
             <a:srgbClr val="A4A3A4"/>
@@ -141,7 +141,7 @@
       </p15:sldGuideLst>
     </p:ext>
     <p:ext uri="{2D200454-40CA-4A62-9FC3-DE9A4176ACB9}">
-      <p15:notesGuideLst xmlns="" xmlns:p15="http://schemas.microsoft.com/office/powerpoint/2012/main"/>
+      <p15:notesGuideLst xmlns:p15="http://schemas.microsoft.com/office/powerpoint/2012/main" xmlns=""/>
     </p:ext>
   </p:extLst>
 </p:presentation>
@@ -2481,7 +2481,11 @@
         <a:p>
           <a:r>
             <a:rPr lang="en-US" dirty="0" smtClean="0"/>
-            <a:t>Phase One</a:t>
+            <a:t>Phase </a:t>
+          </a:r>
+          <a:r>
+            <a:rPr lang="en-US" dirty="0" smtClean="0"/>
+            <a:t>One (11/13)</a:t>
           </a:r>
           <a:endParaRPr lang="en-US" dirty="0"/>
         </a:p>
@@ -2592,7 +2596,11 @@
         <a:p>
           <a:r>
             <a:rPr lang="en-US" dirty="0" smtClean="0"/>
-            <a:t>Phase Two</a:t>
+            <a:t>Phase </a:t>
+          </a:r>
+          <a:r>
+            <a:rPr lang="en-US" dirty="0" smtClean="0"/>
+            <a:t>Two (11/20)</a:t>
           </a:r>
           <a:endParaRPr lang="en-US" dirty="0"/>
         </a:p>
@@ -2703,7 +2711,11 @@
         <a:p>
           <a:r>
             <a:rPr lang="en-US" dirty="0" smtClean="0"/>
-            <a:t>Phase Three</a:t>
+            <a:t>Phase </a:t>
+          </a:r>
+          <a:r>
+            <a:rPr lang="en-US" dirty="0" smtClean="0"/>
+            <a:t>Three (12/4)</a:t>
           </a:r>
           <a:endParaRPr lang="en-US" dirty="0"/>
         </a:p>
@@ -4317,7 +4329,11 @@
           </a:pPr>
           <a:r>
             <a:rPr lang="en-US" sz="1900" kern="1200" dirty="0" smtClean="0"/>
-            <a:t>Phase Three</a:t>
+            <a:t>Phase </a:t>
+          </a:r>
+          <a:r>
+            <a:rPr lang="en-US" sz="1900" kern="1200" dirty="0" smtClean="0"/>
+            <a:t>Three (12/4)</a:t>
           </a:r>
           <a:endParaRPr lang="en-US" sz="1900" kern="1200" dirty="0"/>
         </a:p>
@@ -4593,7 +4609,11 @@
           </a:pPr>
           <a:r>
             <a:rPr lang="en-US" sz="1900" kern="1200" dirty="0" smtClean="0"/>
-            <a:t>Phase Two</a:t>
+            <a:t>Phase </a:t>
+          </a:r>
+          <a:r>
+            <a:rPr lang="en-US" sz="1900" kern="1200" dirty="0" smtClean="0"/>
+            <a:t>Two (11/20)</a:t>
           </a:r>
           <a:endParaRPr lang="en-US" sz="1900" kern="1200" dirty="0"/>
         </a:p>
@@ -4869,7 +4889,11 @@
           </a:pPr>
           <a:r>
             <a:rPr lang="en-US" sz="1900" kern="1200" dirty="0" smtClean="0"/>
-            <a:t>Phase One</a:t>
+            <a:t>Phase </a:t>
+          </a:r>
+          <a:r>
+            <a:rPr lang="en-US" sz="1900" kern="1200" dirty="0" smtClean="0"/>
+            <a:t>One (11/13)</a:t>
           </a:r>
           <a:endParaRPr lang="en-US" sz="1900" kern="1200" dirty="0"/>
         </a:p>
@@ -7811,7 +7835,7 @@
           <a:p>
             <a:fld id="{59088EAF-6ECA-4616-85EF-35AA19C641F3}" type="datetimeFigureOut">
               <a:rPr lang="en-US"/>
-              <a:t>11/4/2014</a:t>
+              <a:t>11/5/2014</a:t>
             </a:fld>
             <a:endParaRPr dirty="0"/>
           </a:p>
@@ -7976,7 +8000,7 @@
           <a:p>
             <a:fld id="{3ABD2D7A-D230-4F91-BD59-0A39C2703BA8}" type="datetimeFigureOut">
               <a:rPr lang="en-US"/>
-              <a:t>11/4/2014</a:t>
+              <a:t>11/5/2014</a:t>
             </a:fld>
             <a:endParaRPr dirty="0"/>
           </a:p>
@@ -8578,7 +8602,7 @@
           <a:p>
             <a:fld id="{03F41C87-7AD9-4845-A077-840E4A0F3F06}" type="datetimeFigureOut">
               <a:rPr lang="en-US"/>
-              <a:t>11/4/2014</a:t>
+              <a:t>11/5/2014</a:t>
             </a:fld>
             <a:endParaRPr dirty="0"/>
           </a:p>
@@ -8777,7 +8801,7 @@
           <a:p>
             <a:fld id="{03F41C87-7AD9-4845-A077-840E4A0F3F06}" type="datetimeFigureOut">
               <a:rPr lang="en-US"/>
-              <a:t>11/4/2014</a:t>
+              <a:t>11/5/2014</a:t>
             </a:fld>
             <a:endParaRPr dirty="0"/>
           </a:p>
@@ -8973,7 +8997,7 @@
           <a:p>
             <a:fld id="{03F41C87-7AD9-4845-A077-840E4A0F3F06}" type="datetimeFigureOut">
               <a:rPr lang="en-US"/>
-              <a:t>11/4/2014</a:t>
+              <a:t>11/5/2014</a:t>
             </a:fld>
             <a:endParaRPr dirty="0"/>
           </a:p>
@@ -9260,7 +9284,7 @@
           <a:p>
             <a:fld id="{03F41C87-7AD9-4845-A077-840E4A0F3F06}" type="datetimeFigureOut">
               <a:rPr lang="en-US"/>
-              <a:t>11/4/2014</a:t>
+              <a:t>11/5/2014</a:t>
             </a:fld>
             <a:endParaRPr dirty="0"/>
           </a:p>
@@ -9571,7 +9595,7 @@
           <a:p>
             <a:fld id="{03F41C87-7AD9-4845-A077-840E4A0F3F06}" type="datetimeFigureOut">
               <a:rPr lang="en-US"/>
-              <a:t>11/4/2014</a:t>
+              <a:t>11/5/2014</a:t>
             </a:fld>
             <a:endParaRPr dirty="0"/>
           </a:p>
@@ -10034,7 +10058,7 @@
           <a:p>
             <a:fld id="{03F41C87-7AD9-4845-A077-840E4A0F3F06}" type="datetimeFigureOut">
               <a:rPr lang="en-US"/>
-              <a:t>11/4/2014</a:t>
+              <a:t>11/5/2014</a:t>
             </a:fld>
             <a:endParaRPr dirty="0"/>
           </a:p>
@@ -10171,7 +10195,7 @@
           <a:p>
             <a:fld id="{03F41C87-7AD9-4845-A077-840E4A0F3F06}" type="datetimeFigureOut">
               <a:rPr lang="en-US"/>
-              <a:t>11/4/2014</a:t>
+              <a:t>11/5/2014</a:t>
             </a:fld>
             <a:endParaRPr dirty="0"/>
           </a:p>
@@ -10293,7 +10317,7 @@
           <a:p>
             <a:fld id="{03F41C87-7AD9-4845-A077-840E4A0F3F06}" type="datetimeFigureOut">
               <a:rPr lang="en-US"/>
-              <a:t>11/4/2014</a:t>
+              <a:t>11/5/2014</a:t>
             </a:fld>
             <a:endParaRPr dirty="0"/>
           </a:p>
@@ -10622,7 +10646,7 @@
           <a:p>
             <a:fld id="{03F41C87-7AD9-4845-A077-840E4A0F3F06}" type="datetimeFigureOut">
               <a:rPr lang="en-US"/>
-              <a:t>11/4/2014</a:t>
+              <a:t>11/5/2014</a:t>
             </a:fld>
             <a:endParaRPr dirty="0"/>
           </a:p>
@@ -10941,7 +10965,7 @@
             <a:fld id="{03F41C87-7AD9-4845-A077-840E4A0F3F06}" type="datetimeFigureOut">
               <a:rPr lang="en-US"/>
               <a:pPr/>
-              <a:t>11/4/2014</a:t>
+              <a:t>11/5/2014</a:t>
             </a:fld>
             <a:endParaRPr dirty="0"/>
           </a:p>
@@ -11184,7 +11208,7 @@
             <a:fld id="{03F41C87-7AD9-4845-A077-840E4A0F3F06}" type="datetimeFigureOut">
               <a:rPr lang="en-US"/>
               <a:pPr/>
-              <a:t>11/4/2014</a:t>
+              <a:t>11/5/2014</a:t>
             </a:fld>
             <a:endParaRPr dirty="0"/>
           </a:p>
@@ -11611,7 +11635,7 @@
   </p:txStyles>
   <p:extLst>
     <p:ext uri="{27BBF7A9-308A-43DC-89C8-2F10F3537804}">
-      <p15:sldGuideLst xmlns="" xmlns:p15="http://schemas.microsoft.com/office/powerpoint/2012/main">
+      <p15:sldGuideLst xmlns:p15="http://schemas.microsoft.com/office/powerpoint/2012/main" xmlns="">
         <p15:guide id="1" pos="3839" userDrawn="1">
           <p15:clr>
             <a:srgbClr val="F26B43"/>
@@ -11879,7 +11903,7 @@
             <p:ph idx="1"/>
             <p:extLst>
               <p:ext uri="{D42A27DB-BD31-4B8C-83A1-F6EECF244321}">
-                <p14:modId xmlns:p14="http://schemas.microsoft.com/office/powerpoint/2010/main" val="2741178380"/>
+                <p14:modId xmlns:p14="http://schemas.microsoft.com/office/powerpoint/2010/main" val="1218933229"/>
               </p:ext>
             </p:extLst>
           </p:nvPr>
@@ -12171,7 +12195,15 @@
             </a:r>
             <a:r>
               <a:rPr lang="it-IT" sz="2400" dirty="0" smtClean="0"/>
-              <a:t>mankind.</a:t>
+              <a:t>robo</a:t>
+            </a:r>
+            <a:r>
+              <a:rPr lang="it-IT" sz="2400" dirty="0" smtClean="0"/>
+              <a:t>kind</a:t>
+            </a:r>
+            <a:r>
+              <a:rPr lang="it-IT" sz="2400" dirty="0" smtClean="0"/>
+              <a:t>.</a:t>
             </a:r>
             <a:endParaRPr lang="en-US" sz="2400" dirty="0"/>
           </a:p>
@@ -12282,7 +12314,15 @@
             </a:r>
             <a:r>
               <a:rPr lang="it-IT" dirty="0" smtClean="0"/>
-              <a:t>mankind.</a:t>
+              <a:t>robo</a:t>
+            </a:r>
+            <a:r>
+              <a:rPr lang="it-IT" dirty="0" smtClean="0"/>
+              <a:t>kind</a:t>
+            </a:r>
+            <a:r>
+              <a:rPr lang="it-IT" dirty="0" smtClean="0"/>
+              <a:t>.</a:t>
             </a:r>
             <a:endParaRPr lang="it-IT" dirty="0"/>
           </a:p>
@@ -12500,22 +12540,14 @@
             <a:pPr lvl="1"/>
             <a:r>
               <a:rPr lang="en-US" sz="2400" dirty="0" smtClean="0"/>
-              <a:t>Follows a black line on the </a:t>
-            </a:r>
-            <a:r>
-              <a:rPr lang="en-US" sz="2400" dirty="0" smtClean="0"/>
-              <a:t>floor</a:t>
+              <a:t>Follows a black line on the floor</a:t>
             </a:r>
           </a:p>
           <a:p>
             <a:pPr lvl="1"/>
             <a:r>
               <a:rPr lang="en-US" sz="2400" dirty="0" smtClean="0"/>
-              <a:t>Robot makes corrections depending on the lines location</a:t>
-            </a:r>
-            <a:r>
-              <a:rPr lang="en-US" sz="2400" dirty="0" smtClean="0"/>
-              <a:t> </a:t>
+              <a:t>Robot makes corrections depending on the lines location </a:t>
             </a:r>
             <a:endParaRPr lang="en-US" sz="2400" dirty="0"/>
           </a:p>
@@ -12817,7 +12849,6 @@
               <a:rPr lang="en-US" dirty="0" smtClean="0"/>
               <a:t>Add an 8 ohm speaker to the op amp</a:t>
             </a:r>
-            <a:endParaRPr lang="en-US" dirty="0" smtClean="0"/>
           </a:p>
           <a:p>
             <a:endParaRPr lang="en-US" dirty="0"/>
